--- a/yield_sensitivity.pptx
+++ b/yield_sensitivity.pptx
@@ -8,6 +8,10 @@
     <p:sldId id="256" r:id="rId2"/>
     <p:sldId id="257" r:id="rId3"/>
     <p:sldId id="258" r:id="rId4"/>
+    <p:sldId id="259" r:id="rId5"/>
+    <p:sldId id="260" r:id="rId6"/>
+    <p:sldId id="261" r:id="rId7"/>
+    <p:sldId id="262" r:id="rId8"/>
   </p:sldIdLst>
   <p:sldSz cx="9144000" cy="5143500" type="screen16x9"/>
   <p:notesSz cx="6858000" cy="9144000"/>
@@ -3213,38 +3217,8 @@
         </p:blipFill>
         <p:spPr bwMode="auto">
           <a:xfrm>
-            <a:off x="622300" y="1193800"/>
-            <a:ext cx="3695700" cy="3390900"/>
-          </a:xfrm>
-          <a:prstGeom prst="rect">
-            <a:avLst/>
-          </a:prstGeom>
-          <a:noFill/>
-          <a:ln w="9525">
-            <a:noFill/>
-            <a:headEnd/>
-            <a:tailEnd/>
-          </a:ln>
-        </p:spPr>
-      </p:pic>
-      <p:pic>
-        <p:nvPicPr>
-          <p:cNvPr descr="yield_sensitivity_files/figure-pptx/cars-1.png" id="0" name="Picture 1"/>
-          <p:cNvPicPr>
-            <a:picLocks noGrp="1" noChangeAspect="1"/>
-          </p:cNvPicPr>
-          <p:nvPr/>
-        </p:nvPicPr>
-        <p:blipFill>
-          <a:blip r:embed="rId3"/>
-          <a:stretch>
-            <a:fillRect/>
-          </a:stretch>
-        </p:blipFill>
-        <p:spPr bwMode="auto">
-          <a:xfrm>
-            <a:off x="4813300" y="1193800"/>
-            <a:ext cx="3695700" cy="3390900"/>
+            <a:off x="1181100" y="1193800"/>
+            <a:ext cx="6781800" cy="3390900"/>
           </a:xfrm>
           <a:prstGeom prst="rect">
             <a:avLst/>
@@ -3320,7 +3294,352 @@
         </p:blipFill>
         <p:spPr bwMode="auto">
           <a:xfrm>
-            <a:off x="622300" y="1193800"/>
+            <a:off x="457200" y="1498600"/>
+            <a:ext cx="4038600" cy="2781300"/>
+          </a:xfrm>
+          <a:prstGeom prst="rect">
+            <a:avLst/>
+          </a:prstGeom>
+          <a:noFill/>
+          <a:ln w="9525">
+            <a:noFill/>
+            <a:headEnd/>
+            <a:tailEnd/>
+          </a:ln>
+        </p:spPr>
+      </p:pic>
+      <p:sp>
+        <p:nvSpPr>
+          <p:cNvPr id="4" name="Content Placeholder 3"/>
+          <p:cNvSpPr>
+            <a:spLocks noGrp="1"/>
+          </p:cNvSpPr>
+          <p:nvPr>
+            <p:ph idx="2" sz="half"/>
+          </p:nvPr>
+        </p:nvSpPr>
+        <p:spPr/>
+        <p:txBody>
+          <a:bodyPr/>
+          <a:lstStyle/>
+          <a:p>
+            <a:pPr lvl="0"/>
+            <a:r>
+              <a:rPr/>
+              <a:t>The sample is from the year 2000 to September 2023 with a monthly frequency</a:t>
+            </a:r>
+          </a:p>
+          <a:p>
+            <a:pPr lvl="0"/>
+            <a:r>
+              <a:rPr/>
+              <a:t>OLS estimates with a 36 month (3 year window) meaning that we estimate each month with 36 observations and roll until the end of the sample</a:t>
+            </a:r>
+          </a:p>
+          <a:p>
+            <a:pPr lvl="0"/>
+            <a:r>
+              <a:rPr/>
+              <a:t>The post Covid period similar to the period post the financial crisis has seen a significant increase in the sensitivity</a:t>
+            </a:r>
+          </a:p>
+        </p:txBody>
+      </p:sp>
+    </p:spTree>
+  </p:cSld>
+</p:sld>
+</file>
+
+<file path=ppt/slides/slide4.xml><?xml version="1.0" encoding="utf-8"?>
+<p:sld xmlns:a="http://schemas.openxmlformats.org/drawingml/2006/main" xmlns:r="http://schemas.openxmlformats.org/officeDocument/2006/relationships" xmlns:p="http://schemas.openxmlformats.org/presentationml/2006/main">
+  <p:cSld>
+    <p:spTree>
+      <p:nvGrpSpPr>
+        <p:cNvPr id="1" name=""/>
+        <p:cNvGrpSpPr/>
+        <p:nvPr/>
+      </p:nvGrpSpPr>
+      <p:grpSpPr>
+        <a:xfrm>
+          <a:off x="0" y="0"/>
+          <a:ext cx="0" cy="0"/>
+          <a:chOff x="0" y="0"/>
+          <a:chExt cx="0" cy="0"/>
+        </a:xfrm>
+      </p:grpSpPr>
+      <p:sp>
+        <p:nvSpPr>
+          <p:cNvPr id="2" name="Title 1"/>
+          <p:cNvSpPr>
+            <a:spLocks noGrp="1"/>
+          </p:cNvSpPr>
+          <p:nvPr>
+            <p:ph type="title"/>
+          </p:nvPr>
+        </p:nvSpPr>
+        <p:spPr/>
+        <p:txBody>
+          <a:bodyPr/>
+          <a:lstStyle/>
+          <a:p>
+            <a:pPr lvl="0" indent="0" marL="0">
+              <a:buNone/>
+            </a:pPr>
+            <a:r>
+              <a:rPr/>
+              <a:t>Country comparison</a:t>
+            </a:r>
+          </a:p>
+        </p:txBody>
+      </p:sp>
+      <p:pic>
+        <p:nvPicPr>
+          <p:cNvPr descr="yield_sensitivity_files/figure-pptx/country1-1.png" id="0" name="Picture 1"/>
+          <p:cNvPicPr>
+            <a:picLocks noGrp="1" noChangeAspect="1"/>
+          </p:cNvPicPr>
+          <p:nvPr/>
+        </p:nvPicPr>
+        <p:blipFill>
+          <a:blip r:embed="rId2"/>
+          <a:stretch>
+            <a:fillRect/>
+          </a:stretch>
+        </p:blipFill>
+        <p:spPr bwMode="auto">
+          <a:xfrm>
+            <a:off x="1485900" y="1193800"/>
+            <a:ext cx="6159500" cy="3390900"/>
+          </a:xfrm>
+          <a:prstGeom prst="rect">
+            <a:avLst/>
+          </a:prstGeom>
+          <a:noFill/>
+          <a:ln w="9525">
+            <a:noFill/>
+            <a:headEnd/>
+            <a:tailEnd/>
+          </a:ln>
+        </p:spPr>
+      </p:pic>
+    </p:spTree>
+  </p:cSld>
+</p:sld>
+</file>
+
+<file path=ppt/slides/slide5.xml><?xml version="1.0" encoding="utf-8"?>
+<p:sld xmlns:a="http://schemas.openxmlformats.org/drawingml/2006/main" xmlns:r="http://schemas.openxmlformats.org/officeDocument/2006/relationships" xmlns:p="http://schemas.openxmlformats.org/presentationml/2006/main">
+  <p:cSld>
+    <p:spTree>
+      <p:nvGrpSpPr>
+        <p:cNvPr id="1" name=""/>
+        <p:cNvGrpSpPr/>
+        <p:nvPr/>
+      </p:nvGrpSpPr>
+      <p:grpSpPr>
+        <a:xfrm>
+          <a:off x="0" y="0"/>
+          <a:ext cx="0" cy="0"/>
+          <a:chOff x="0" y="0"/>
+          <a:chExt cx="0" cy="0"/>
+        </a:xfrm>
+      </p:grpSpPr>
+      <p:sp>
+        <p:nvSpPr>
+          <p:cNvPr id="2" name="Title 1"/>
+          <p:cNvSpPr>
+            <a:spLocks noGrp="1"/>
+          </p:cNvSpPr>
+          <p:nvPr>
+            <p:ph type="title"/>
+          </p:nvPr>
+        </p:nvSpPr>
+        <p:spPr/>
+        <p:txBody>
+          <a:bodyPr/>
+          <a:lstStyle/>
+          <a:p>
+            <a:pPr lvl="0" indent="0" marL="0">
+              <a:buNone/>
+            </a:pPr>
+            <a:r>
+              <a:rPr/>
+              <a:t>Country 1</a:t>
+            </a:r>
+          </a:p>
+        </p:txBody>
+      </p:sp>
+      <p:pic>
+        <p:nvPicPr>
+          <p:cNvPr descr="yield_sensitivity_files/figure-pptx/country2-1.png" id="0" name="Picture 1"/>
+          <p:cNvPicPr>
+            <a:picLocks noGrp="1" noChangeAspect="1"/>
+          </p:cNvPicPr>
+          <p:nvPr/>
+        </p:nvPicPr>
+        <p:blipFill>
+          <a:blip r:embed="rId2"/>
+          <a:stretch>
+            <a:fillRect/>
+          </a:stretch>
+        </p:blipFill>
+        <p:spPr bwMode="auto">
+          <a:xfrm>
+            <a:off x="2108200" y="1193800"/>
+            <a:ext cx="4927600" cy="3390900"/>
+          </a:xfrm>
+          <a:prstGeom prst="rect">
+            <a:avLst/>
+          </a:prstGeom>
+          <a:noFill/>
+          <a:ln w="9525">
+            <a:noFill/>
+            <a:headEnd/>
+            <a:tailEnd/>
+          </a:ln>
+        </p:spPr>
+      </p:pic>
+    </p:spTree>
+  </p:cSld>
+</p:sld>
+</file>
+
+<file path=ppt/slides/slide6.xml><?xml version="1.0" encoding="utf-8"?>
+<p:sld xmlns:a="http://schemas.openxmlformats.org/drawingml/2006/main" xmlns:r="http://schemas.openxmlformats.org/officeDocument/2006/relationships" xmlns:p="http://schemas.openxmlformats.org/presentationml/2006/main">
+  <p:cSld>
+    <p:spTree>
+      <p:nvGrpSpPr>
+        <p:cNvPr id="1" name=""/>
+        <p:cNvGrpSpPr/>
+        <p:nvPr/>
+      </p:nvGrpSpPr>
+      <p:grpSpPr>
+        <a:xfrm>
+          <a:off x="0" y="0"/>
+          <a:ext cx="0" cy="0"/>
+          <a:chOff x="0" y="0"/>
+          <a:chExt cx="0" cy="0"/>
+        </a:xfrm>
+      </p:grpSpPr>
+      <p:sp>
+        <p:nvSpPr>
+          <p:cNvPr id="2" name="Title 1"/>
+          <p:cNvSpPr>
+            <a:spLocks noGrp="1"/>
+          </p:cNvSpPr>
+          <p:nvPr>
+            <p:ph type="title"/>
+          </p:nvPr>
+        </p:nvSpPr>
+        <p:spPr/>
+        <p:txBody>
+          <a:bodyPr/>
+          <a:lstStyle/>
+          <a:p>
+            <a:pPr lvl="0" indent="0" marL="0">
+              <a:buNone/>
+            </a:pPr>
+            <a:r>
+              <a:rPr/>
+              <a:t>Country 2</a:t>
+            </a:r>
+          </a:p>
+        </p:txBody>
+      </p:sp>
+      <p:pic>
+        <p:nvPicPr>
+          <p:cNvPr descr="yield_sensitivity_files/figure-pptx/country3-1.png" id="0" name="Picture 1"/>
+          <p:cNvPicPr>
+            <a:picLocks noGrp="1" noChangeAspect="1"/>
+          </p:cNvPicPr>
+          <p:nvPr/>
+        </p:nvPicPr>
+        <p:blipFill>
+          <a:blip r:embed="rId2"/>
+          <a:stretch>
+            <a:fillRect/>
+          </a:stretch>
+        </p:blipFill>
+        <p:spPr bwMode="auto">
+          <a:xfrm>
+            <a:off x="2108200" y="1193800"/>
+            <a:ext cx="4927600" cy="3390900"/>
+          </a:xfrm>
+          <a:prstGeom prst="rect">
+            <a:avLst/>
+          </a:prstGeom>
+          <a:noFill/>
+          <a:ln w="9525">
+            <a:noFill/>
+            <a:headEnd/>
+            <a:tailEnd/>
+          </a:ln>
+        </p:spPr>
+      </p:pic>
+    </p:spTree>
+  </p:cSld>
+</p:sld>
+</file>
+
+<file path=ppt/slides/slide7.xml><?xml version="1.0" encoding="utf-8"?>
+<p:sld xmlns:a="http://schemas.openxmlformats.org/drawingml/2006/main" xmlns:r="http://schemas.openxmlformats.org/officeDocument/2006/relationships" xmlns:p="http://schemas.openxmlformats.org/presentationml/2006/main">
+  <p:cSld>
+    <p:spTree>
+      <p:nvGrpSpPr>
+        <p:cNvPr id="1" name=""/>
+        <p:cNvGrpSpPr/>
+        <p:nvPr/>
+      </p:nvGrpSpPr>
+      <p:grpSpPr>
+        <a:xfrm>
+          <a:off x="0" y="0"/>
+          <a:ext cx="0" cy="0"/>
+          <a:chOff x="0" y="0"/>
+          <a:chExt cx="0" cy="0"/>
+        </a:xfrm>
+      </p:grpSpPr>
+      <p:sp>
+        <p:nvSpPr>
+          <p:cNvPr id="2" name="Title 1"/>
+          <p:cNvSpPr>
+            <a:spLocks noGrp="1"/>
+          </p:cNvSpPr>
+          <p:nvPr>
+            <p:ph type="title"/>
+          </p:nvPr>
+        </p:nvSpPr>
+        <p:spPr/>
+        <p:txBody>
+          <a:bodyPr/>
+          <a:lstStyle/>
+          <a:p>
+            <a:pPr lvl="0" indent="0" marL="0">
+              <a:buNone/>
+            </a:pPr>
+            <a:r>
+              <a:rPr/>
+              <a:t>Country 3</a:t>
+            </a:r>
+          </a:p>
+        </p:txBody>
+      </p:sp>
+      <p:pic>
+        <p:nvPicPr>
+          <p:cNvPr descr="yield_sensitivity_files/figure-pptx/country4-1.png" id="0" name="Picture 1"/>
+          <p:cNvPicPr>
+            <a:picLocks noGrp="1" noChangeAspect="1"/>
+          </p:cNvPicPr>
+          <p:nvPr/>
+        </p:nvPicPr>
+        <p:blipFill>
+          <a:blip r:embed="rId2"/>
+          <a:stretch>
+            <a:fillRect/>
+          </a:stretch>
+        </p:blipFill>
+        <p:spPr bwMode="auto">
+          <a:xfrm>
+            <a:off x="2717800" y="1193800"/>
             <a:ext cx="3695700" cy="3390900"/>
           </a:xfrm>
           <a:prstGeom prst="rect">
@@ -3334,43 +3653,6 @@
           </a:ln>
         </p:spPr>
       </p:pic>
-      <p:sp>
-        <p:nvSpPr>
-          <p:cNvPr id="4" name="Content Placeholder 3"/>
-          <p:cNvSpPr>
-            <a:spLocks noGrp="1"/>
-          </p:cNvSpPr>
-          <p:nvPr>
-            <p:ph idx="2" sz="half"/>
-          </p:nvPr>
-        </p:nvSpPr>
-        <p:spPr/>
-        <p:txBody>
-          <a:bodyPr/>
-          <a:lstStyle/>
-          <a:p>
-            <a:pPr lvl="0"/>
-            <a:r>
-              <a:rPr/>
-              <a:t>The sample is from the year 2000 to September 2023 with a monthly frequency</a:t>
-            </a:r>
-          </a:p>
-          <a:p>
-            <a:pPr lvl="0"/>
-            <a:r>
-              <a:rPr/>
-              <a:t>OLS estimates with a 36 month (3 year window) meaning that we estimate each month with 36 observations and roll until the end of the sample</a:t>
-            </a:r>
-          </a:p>
-          <a:p>
-            <a:pPr lvl="0"/>
-            <a:r>
-              <a:rPr/>
-              <a:t>The post Covid period similar to the period post the financial crisis has seen a significant increase in the sensitivity</a:t>
-            </a:r>
-          </a:p>
-        </p:txBody>
-      </p:sp>
     </p:spTree>
   </p:cSld>
 </p:sld>
